--- a/一閃一閃亮晶晶.pptx
+++ b/一閃一閃亮晶晶.pptx
@@ -2,7 +2,7 @@
 <file path=ppt/presentation.xml><?xml version="1.0" encoding="utf-8"?>
 <p:presentation xmlns:a="http://schemas.openxmlformats.org/drawingml/2006/main" xmlns:r="http://schemas.openxmlformats.org/officeDocument/2006/relationships" xmlns:p="http://schemas.openxmlformats.org/presentationml/2006/main" saveSubsetFonts="1">
   <p:sldMasterIdLst>
-    <p:sldMasterId id="2147483648" r:id="rId1"/>
+    <p:sldMasterId id="2147483660" r:id="rId1"/>
   </p:sldMasterIdLst>
   <p:sldIdLst>
     <p:sldId id="257" r:id="rId2"/>
@@ -112,7 +112,7 @@
 
 <file path=ppt/slideLayouts/slideLayout1.xml><?xml version="1.0" encoding="utf-8"?>
 <p:sldLayout xmlns:a="http://schemas.openxmlformats.org/drawingml/2006/main" xmlns:r="http://schemas.openxmlformats.org/officeDocument/2006/relationships" xmlns:p="http://schemas.openxmlformats.org/presentationml/2006/main" type="title" preserve="1">
-  <p:cSld name="Title Slide">
+  <p:cSld name="標題投影片">
     <p:spTree>
       <p:nvGrpSpPr>
         <p:cNvPr id="1" name=""/>
@@ -129,7 +129,7 @@
       </p:grpSpPr>
       <p:sp>
         <p:nvSpPr>
-          <p:cNvPr id="2" name="Title 1"/>
+          <p:cNvPr id="2" name="標題 1"/>
           <p:cNvSpPr>
             <a:spLocks noGrp="1"/>
           </p:cNvSpPr>
@@ -148,16 +148,16 @@
           <a:lstStyle/>
           <a:p>
             <a:r>
-              <a:rPr lang="en-US" smtClean="0"/>
-              <a:t>Click to edit Master title style</a:t>
-            </a:r>
-            <a:endParaRPr lang="en-US"/>
-          </a:p>
-        </p:txBody>
-      </p:sp>
-      <p:sp>
-        <p:nvSpPr>
-          <p:cNvPr id="3" name="Subtitle 2"/>
+              <a:rPr lang="zh-TW" altLang="en-US" smtClean="0"/>
+              <a:t>按一下以編輯母片標題樣式</a:t>
+            </a:r>
+            <a:endParaRPr lang="zh-TW" altLang="en-US"/>
+          </a:p>
+        </p:txBody>
+      </p:sp>
+      <p:sp>
+        <p:nvSpPr>
+          <p:cNvPr id="3" name="副標題 2"/>
           <p:cNvSpPr>
             <a:spLocks noGrp="1"/>
           </p:cNvSpPr>
@@ -267,16 +267,16 @@
           </a:lstStyle>
           <a:p>
             <a:r>
-              <a:rPr lang="en-US" smtClean="0"/>
-              <a:t>Click to edit Master subtitle style</a:t>
-            </a:r>
-            <a:endParaRPr lang="en-US"/>
-          </a:p>
-        </p:txBody>
-      </p:sp>
-      <p:sp>
-        <p:nvSpPr>
-          <p:cNvPr id="4" name="Date Placeholder 3"/>
+              <a:rPr lang="zh-TW" altLang="en-US" smtClean="0"/>
+              <a:t>按一下以編輯母片副標題樣式</a:t>
+            </a:r>
+            <a:endParaRPr lang="zh-TW" altLang="en-US"/>
+          </a:p>
+        </p:txBody>
+      </p:sp>
+      <p:sp>
+        <p:nvSpPr>
+          <p:cNvPr id="4" name="日期版面配置區 3"/>
           <p:cNvSpPr>
             <a:spLocks noGrp="1"/>
           </p:cNvSpPr>
@@ -291,7 +291,8 @@
           <a:p>
             <a:fld id="{525EC543-F334-4384-8466-8E685538363C}" type="datetimeFigureOut">
               <a:rPr lang="en-US" smtClean="0"/>
-              <a:t>12/23/2018</a:t>
+              <a:pPr/>
+              <a:t>1/19/2019</a:t>
             </a:fld>
             <a:endParaRPr lang="en-US"/>
           </a:p>
@@ -299,7 +300,7 @@
       </p:sp>
       <p:sp>
         <p:nvSpPr>
-          <p:cNvPr id="5" name="Footer Placeholder 4"/>
+          <p:cNvPr id="5" name="頁尾版面配置區 4"/>
           <p:cNvSpPr>
             <a:spLocks noGrp="1"/>
           </p:cNvSpPr>
@@ -318,7 +319,7 @@
       </p:sp>
       <p:sp>
         <p:nvSpPr>
-          <p:cNvPr id="6" name="Slide Number Placeholder 5"/>
+          <p:cNvPr id="6" name="投影片編號版面配置區 5"/>
           <p:cNvSpPr>
             <a:spLocks noGrp="1"/>
           </p:cNvSpPr>
@@ -333,6 +334,7 @@
           <a:p>
             <a:fld id="{495D3D98-C7C0-49E3-BF7C-2CB5255D9DD7}" type="slidenum">
               <a:rPr lang="en-US" smtClean="0"/>
+              <a:pPr/>
               <a:t>‹#›</a:t>
             </a:fld>
             <a:endParaRPr lang="en-US"/>
@@ -340,11 +342,6 @@
         </p:txBody>
       </p:sp>
     </p:spTree>
-    <p:extLst>
-      <p:ext uri="{BB962C8B-B14F-4D97-AF65-F5344CB8AC3E}">
-        <p14:creationId xmlns:p14="http://schemas.microsoft.com/office/powerpoint/2010/main" val="2671291348"/>
-      </p:ext>
-    </p:extLst>
   </p:cSld>
   <p:clrMapOvr>
     <a:masterClrMapping/>
@@ -354,7 +351,7 @@
 
 <file path=ppt/slideLayouts/slideLayout10.xml><?xml version="1.0" encoding="utf-8"?>
 <p:sldLayout xmlns:a="http://schemas.openxmlformats.org/drawingml/2006/main" xmlns:r="http://schemas.openxmlformats.org/officeDocument/2006/relationships" xmlns:p="http://schemas.openxmlformats.org/presentationml/2006/main" type="vertTx" preserve="1">
-  <p:cSld name="Title and Vertical Text">
+  <p:cSld name="標題及直排文字">
     <p:spTree>
       <p:nvGrpSpPr>
         <p:cNvPr id="1" name=""/>
@@ -371,7 +368,7 @@
       </p:grpSpPr>
       <p:sp>
         <p:nvSpPr>
-          <p:cNvPr id="2" name="Title 1"/>
+          <p:cNvPr id="2" name="標題 1"/>
           <p:cNvSpPr>
             <a:spLocks noGrp="1"/>
           </p:cNvSpPr>
@@ -385,16 +382,16 @@
           <a:lstStyle/>
           <a:p>
             <a:r>
-              <a:rPr lang="en-US" smtClean="0"/>
-              <a:t>Click to edit Master title style</a:t>
-            </a:r>
-            <a:endParaRPr lang="en-US"/>
-          </a:p>
-        </p:txBody>
-      </p:sp>
-      <p:sp>
-        <p:nvSpPr>
-          <p:cNvPr id="3" name="Vertical Text Placeholder 2"/>
+              <a:rPr lang="zh-TW" altLang="en-US" smtClean="0"/>
+              <a:t>按一下以編輯母片標題樣式</a:t>
+            </a:r>
+            <a:endParaRPr lang="zh-TW" altLang="en-US"/>
+          </a:p>
+        </p:txBody>
+      </p:sp>
+      <p:sp>
+        <p:nvSpPr>
+          <p:cNvPr id="3" name="直排文字版面配置區 2"/>
           <p:cNvSpPr>
             <a:spLocks noGrp="1"/>
           </p:cNvSpPr>
@@ -409,44 +406,44 @@
           <a:p>
             <a:pPr lvl="0"/>
             <a:r>
-              <a:rPr lang="en-US" smtClean="0"/>
-              <a:t>Click to edit Master text styles</a:t>
+              <a:rPr lang="zh-TW" altLang="en-US" smtClean="0"/>
+              <a:t>按一下以編輯母片文字樣式</a:t>
             </a:r>
           </a:p>
           <a:p>
             <a:pPr lvl="1"/>
             <a:r>
-              <a:rPr lang="en-US" smtClean="0"/>
-              <a:t>Second level</a:t>
+              <a:rPr lang="zh-TW" altLang="en-US" smtClean="0"/>
+              <a:t>第二層</a:t>
             </a:r>
           </a:p>
           <a:p>
             <a:pPr lvl="2"/>
             <a:r>
-              <a:rPr lang="en-US" smtClean="0"/>
-              <a:t>Third level</a:t>
+              <a:rPr lang="zh-TW" altLang="en-US" smtClean="0"/>
+              <a:t>第三層</a:t>
             </a:r>
           </a:p>
           <a:p>
             <a:pPr lvl="3"/>
             <a:r>
-              <a:rPr lang="en-US" smtClean="0"/>
-              <a:t>Fourth level</a:t>
+              <a:rPr lang="zh-TW" altLang="en-US" smtClean="0"/>
+              <a:t>第四層</a:t>
             </a:r>
           </a:p>
           <a:p>
             <a:pPr lvl="4"/>
             <a:r>
-              <a:rPr lang="en-US" smtClean="0"/>
-              <a:t>Fifth level</a:t>
-            </a:r>
-            <a:endParaRPr lang="en-US"/>
-          </a:p>
-        </p:txBody>
-      </p:sp>
-      <p:sp>
-        <p:nvSpPr>
-          <p:cNvPr id="4" name="Date Placeholder 3"/>
+              <a:rPr lang="zh-TW" altLang="en-US" smtClean="0"/>
+              <a:t>第五層</a:t>
+            </a:r>
+            <a:endParaRPr lang="zh-TW" altLang="en-US"/>
+          </a:p>
+        </p:txBody>
+      </p:sp>
+      <p:sp>
+        <p:nvSpPr>
+          <p:cNvPr id="4" name="日期版面配置區 3"/>
           <p:cNvSpPr>
             <a:spLocks noGrp="1"/>
           </p:cNvSpPr>
@@ -461,7 +458,8 @@
           <a:p>
             <a:fld id="{525EC543-F334-4384-8466-8E685538363C}" type="datetimeFigureOut">
               <a:rPr lang="en-US" smtClean="0"/>
-              <a:t>12/23/2018</a:t>
+              <a:pPr/>
+              <a:t>1/19/2019</a:t>
             </a:fld>
             <a:endParaRPr lang="en-US"/>
           </a:p>
@@ -469,7 +467,7 @@
       </p:sp>
       <p:sp>
         <p:nvSpPr>
-          <p:cNvPr id="5" name="Footer Placeholder 4"/>
+          <p:cNvPr id="5" name="頁尾版面配置區 4"/>
           <p:cNvSpPr>
             <a:spLocks noGrp="1"/>
           </p:cNvSpPr>
@@ -488,7 +486,7 @@
       </p:sp>
       <p:sp>
         <p:nvSpPr>
-          <p:cNvPr id="6" name="Slide Number Placeholder 5"/>
+          <p:cNvPr id="6" name="投影片編號版面配置區 5"/>
           <p:cNvSpPr>
             <a:spLocks noGrp="1"/>
           </p:cNvSpPr>
@@ -503,6 +501,7 @@
           <a:p>
             <a:fld id="{495D3D98-C7C0-49E3-BF7C-2CB5255D9DD7}" type="slidenum">
               <a:rPr lang="en-US" smtClean="0"/>
+              <a:pPr/>
               <a:t>‹#›</a:t>
             </a:fld>
             <a:endParaRPr lang="en-US"/>
@@ -510,11 +509,6 @@
         </p:txBody>
       </p:sp>
     </p:spTree>
-    <p:extLst>
-      <p:ext uri="{BB962C8B-B14F-4D97-AF65-F5344CB8AC3E}">
-        <p14:creationId xmlns:p14="http://schemas.microsoft.com/office/powerpoint/2010/main" val="3793220945"/>
-      </p:ext>
-    </p:extLst>
   </p:cSld>
   <p:clrMapOvr>
     <a:masterClrMapping/>
@@ -524,7 +518,7 @@
 
 <file path=ppt/slideLayouts/slideLayout11.xml><?xml version="1.0" encoding="utf-8"?>
 <p:sldLayout xmlns:a="http://schemas.openxmlformats.org/drawingml/2006/main" xmlns:r="http://schemas.openxmlformats.org/officeDocument/2006/relationships" xmlns:p="http://schemas.openxmlformats.org/presentationml/2006/main" type="vertTitleAndTx" preserve="1">
-  <p:cSld name="Vertical Title and Text">
+  <p:cSld name="直排標題及文字">
     <p:spTree>
       <p:nvGrpSpPr>
         <p:cNvPr id="1" name=""/>
@@ -541,7 +535,7 @@
       </p:grpSpPr>
       <p:sp>
         <p:nvSpPr>
-          <p:cNvPr id="2" name="Vertical Title 1"/>
+          <p:cNvPr id="2" name="直排標題 1"/>
           <p:cNvSpPr>
             <a:spLocks noGrp="1"/>
           </p:cNvSpPr>
@@ -560,16 +554,16 @@
           <a:lstStyle/>
           <a:p>
             <a:r>
-              <a:rPr lang="en-US" smtClean="0"/>
-              <a:t>Click to edit Master title style</a:t>
-            </a:r>
-            <a:endParaRPr lang="en-US"/>
-          </a:p>
-        </p:txBody>
-      </p:sp>
-      <p:sp>
-        <p:nvSpPr>
-          <p:cNvPr id="3" name="Vertical Text Placeholder 2"/>
+              <a:rPr lang="zh-TW" altLang="en-US" smtClean="0"/>
+              <a:t>按一下以編輯母片標題樣式</a:t>
+            </a:r>
+            <a:endParaRPr lang="zh-TW" altLang="en-US"/>
+          </a:p>
+        </p:txBody>
+      </p:sp>
+      <p:sp>
+        <p:nvSpPr>
+          <p:cNvPr id="3" name="直排文字版面配置區 2"/>
           <p:cNvSpPr>
             <a:spLocks noGrp="1"/>
           </p:cNvSpPr>
@@ -589,44 +583,44 @@
           <a:p>
             <a:pPr lvl="0"/>
             <a:r>
-              <a:rPr lang="en-US" smtClean="0"/>
-              <a:t>Click to edit Master text styles</a:t>
+              <a:rPr lang="zh-TW" altLang="en-US" smtClean="0"/>
+              <a:t>按一下以編輯母片文字樣式</a:t>
             </a:r>
           </a:p>
           <a:p>
             <a:pPr lvl="1"/>
             <a:r>
-              <a:rPr lang="en-US" smtClean="0"/>
-              <a:t>Second level</a:t>
+              <a:rPr lang="zh-TW" altLang="en-US" smtClean="0"/>
+              <a:t>第二層</a:t>
             </a:r>
           </a:p>
           <a:p>
             <a:pPr lvl="2"/>
             <a:r>
-              <a:rPr lang="en-US" smtClean="0"/>
-              <a:t>Third level</a:t>
+              <a:rPr lang="zh-TW" altLang="en-US" smtClean="0"/>
+              <a:t>第三層</a:t>
             </a:r>
           </a:p>
           <a:p>
             <a:pPr lvl="3"/>
             <a:r>
-              <a:rPr lang="en-US" smtClean="0"/>
-              <a:t>Fourth level</a:t>
+              <a:rPr lang="zh-TW" altLang="en-US" smtClean="0"/>
+              <a:t>第四層</a:t>
             </a:r>
           </a:p>
           <a:p>
             <a:pPr lvl="4"/>
             <a:r>
-              <a:rPr lang="en-US" smtClean="0"/>
-              <a:t>Fifth level</a:t>
-            </a:r>
-            <a:endParaRPr lang="en-US"/>
-          </a:p>
-        </p:txBody>
-      </p:sp>
-      <p:sp>
-        <p:nvSpPr>
-          <p:cNvPr id="4" name="Date Placeholder 3"/>
+              <a:rPr lang="zh-TW" altLang="en-US" smtClean="0"/>
+              <a:t>第五層</a:t>
+            </a:r>
+            <a:endParaRPr lang="zh-TW" altLang="en-US"/>
+          </a:p>
+        </p:txBody>
+      </p:sp>
+      <p:sp>
+        <p:nvSpPr>
+          <p:cNvPr id="4" name="日期版面配置區 3"/>
           <p:cNvSpPr>
             <a:spLocks noGrp="1"/>
           </p:cNvSpPr>
@@ -641,7 +635,8 @@
           <a:p>
             <a:fld id="{525EC543-F334-4384-8466-8E685538363C}" type="datetimeFigureOut">
               <a:rPr lang="en-US" smtClean="0"/>
-              <a:t>12/23/2018</a:t>
+              <a:pPr/>
+              <a:t>1/19/2019</a:t>
             </a:fld>
             <a:endParaRPr lang="en-US"/>
           </a:p>
@@ -649,7 +644,7 @@
       </p:sp>
       <p:sp>
         <p:nvSpPr>
-          <p:cNvPr id="5" name="Footer Placeholder 4"/>
+          <p:cNvPr id="5" name="頁尾版面配置區 4"/>
           <p:cNvSpPr>
             <a:spLocks noGrp="1"/>
           </p:cNvSpPr>
@@ -668,7 +663,7 @@
       </p:sp>
       <p:sp>
         <p:nvSpPr>
-          <p:cNvPr id="6" name="Slide Number Placeholder 5"/>
+          <p:cNvPr id="6" name="投影片編號版面配置區 5"/>
           <p:cNvSpPr>
             <a:spLocks noGrp="1"/>
           </p:cNvSpPr>
@@ -683,6 +678,7 @@
           <a:p>
             <a:fld id="{495D3D98-C7C0-49E3-BF7C-2CB5255D9DD7}" type="slidenum">
               <a:rPr lang="en-US" smtClean="0"/>
+              <a:pPr/>
               <a:t>‹#›</a:t>
             </a:fld>
             <a:endParaRPr lang="en-US"/>
@@ -690,11 +686,6 @@
         </p:txBody>
       </p:sp>
     </p:spTree>
-    <p:extLst>
-      <p:ext uri="{BB962C8B-B14F-4D97-AF65-F5344CB8AC3E}">
-        <p14:creationId xmlns:p14="http://schemas.microsoft.com/office/powerpoint/2010/main" val="1973977089"/>
-      </p:ext>
-    </p:extLst>
   </p:cSld>
   <p:clrMapOvr>
     <a:masterClrMapping/>
@@ -704,7 +695,7 @@
 
 <file path=ppt/slideLayouts/slideLayout2.xml><?xml version="1.0" encoding="utf-8"?>
 <p:sldLayout xmlns:a="http://schemas.openxmlformats.org/drawingml/2006/main" xmlns:r="http://schemas.openxmlformats.org/officeDocument/2006/relationships" xmlns:p="http://schemas.openxmlformats.org/presentationml/2006/main" type="obj" preserve="1">
-  <p:cSld name="Title and Content">
+  <p:cSld name="標題及物件">
     <p:spTree>
       <p:nvGrpSpPr>
         <p:cNvPr id="1" name=""/>
@@ -721,7 +712,7 @@
       </p:grpSpPr>
       <p:sp>
         <p:nvSpPr>
-          <p:cNvPr id="2" name="Title 1"/>
+          <p:cNvPr id="2" name="標題 1"/>
           <p:cNvSpPr>
             <a:spLocks noGrp="1"/>
           </p:cNvSpPr>
@@ -735,16 +726,16 @@
           <a:lstStyle/>
           <a:p>
             <a:r>
-              <a:rPr lang="en-US" smtClean="0"/>
-              <a:t>Click to edit Master title style</a:t>
-            </a:r>
-            <a:endParaRPr lang="en-US"/>
-          </a:p>
-        </p:txBody>
-      </p:sp>
-      <p:sp>
-        <p:nvSpPr>
-          <p:cNvPr id="3" name="Content Placeholder 2"/>
+              <a:rPr lang="zh-TW" altLang="en-US" smtClean="0"/>
+              <a:t>按一下以編輯母片標題樣式</a:t>
+            </a:r>
+            <a:endParaRPr lang="zh-TW" altLang="en-US"/>
+          </a:p>
+        </p:txBody>
+      </p:sp>
+      <p:sp>
+        <p:nvSpPr>
+          <p:cNvPr id="3" name="內容版面配置區 2"/>
           <p:cNvSpPr>
             <a:spLocks noGrp="1"/>
           </p:cNvSpPr>
@@ -759,44 +750,44 @@
           <a:p>
             <a:pPr lvl="0"/>
             <a:r>
-              <a:rPr lang="en-US" smtClean="0"/>
-              <a:t>Click to edit Master text styles</a:t>
+              <a:rPr lang="zh-TW" altLang="en-US" smtClean="0"/>
+              <a:t>按一下以編輯母片文字樣式</a:t>
             </a:r>
           </a:p>
           <a:p>
             <a:pPr lvl="1"/>
             <a:r>
-              <a:rPr lang="en-US" smtClean="0"/>
-              <a:t>Second level</a:t>
+              <a:rPr lang="zh-TW" altLang="en-US" smtClean="0"/>
+              <a:t>第二層</a:t>
             </a:r>
           </a:p>
           <a:p>
             <a:pPr lvl="2"/>
             <a:r>
-              <a:rPr lang="en-US" smtClean="0"/>
-              <a:t>Third level</a:t>
+              <a:rPr lang="zh-TW" altLang="en-US" smtClean="0"/>
+              <a:t>第三層</a:t>
             </a:r>
           </a:p>
           <a:p>
             <a:pPr lvl="3"/>
             <a:r>
-              <a:rPr lang="en-US" smtClean="0"/>
-              <a:t>Fourth level</a:t>
+              <a:rPr lang="zh-TW" altLang="en-US" smtClean="0"/>
+              <a:t>第四層</a:t>
             </a:r>
           </a:p>
           <a:p>
             <a:pPr lvl="4"/>
             <a:r>
-              <a:rPr lang="en-US" smtClean="0"/>
-              <a:t>Fifth level</a:t>
-            </a:r>
-            <a:endParaRPr lang="en-US"/>
-          </a:p>
-        </p:txBody>
-      </p:sp>
-      <p:sp>
-        <p:nvSpPr>
-          <p:cNvPr id="4" name="Date Placeholder 3"/>
+              <a:rPr lang="zh-TW" altLang="en-US" smtClean="0"/>
+              <a:t>第五層</a:t>
+            </a:r>
+            <a:endParaRPr lang="zh-TW" altLang="en-US"/>
+          </a:p>
+        </p:txBody>
+      </p:sp>
+      <p:sp>
+        <p:nvSpPr>
+          <p:cNvPr id="4" name="日期版面配置區 3"/>
           <p:cNvSpPr>
             <a:spLocks noGrp="1"/>
           </p:cNvSpPr>
@@ -811,7 +802,8 @@
           <a:p>
             <a:fld id="{525EC543-F334-4384-8466-8E685538363C}" type="datetimeFigureOut">
               <a:rPr lang="en-US" smtClean="0"/>
-              <a:t>12/23/2018</a:t>
+              <a:pPr/>
+              <a:t>1/19/2019</a:t>
             </a:fld>
             <a:endParaRPr lang="en-US"/>
           </a:p>
@@ -819,7 +811,7 @@
       </p:sp>
       <p:sp>
         <p:nvSpPr>
-          <p:cNvPr id="5" name="Footer Placeholder 4"/>
+          <p:cNvPr id="5" name="頁尾版面配置區 4"/>
           <p:cNvSpPr>
             <a:spLocks noGrp="1"/>
           </p:cNvSpPr>
@@ -838,7 +830,7 @@
       </p:sp>
       <p:sp>
         <p:nvSpPr>
-          <p:cNvPr id="6" name="Slide Number Placeholder 5"/>
+          <p:cNvPr id="6" name="投影片編號版面配置區 5"/>
           <p:cNvSpPr>
             <a:spLocks noGrp="1"/>
           </p:cNvSpPr>
@@ -853,6 +845,7 @@
           <a:p>
             <a:fld id="{495D3D98-C7C0-49E3-BF7C-2CB5255D9DD7}" type="slidenum">
               <a:rPr lang="en-US" smtClean="0"/>
+              <a:pPr/>
               <a:t>‹#›</a:t>
             </a:fld>
             <a:endParaRPr lang="en-US"/>
@@ -860,11 +853,6 @@
         </p:txBody>
       </p:sp>
     </p:spTree>
-    <p:extLst>
-      <p:ext uri="{BB962C8B-B14F-4D97-AF65-F5344CB8AC3E}">
-        <p14:creationId xmlns:p14="http://schemas.microsoft.com/office/powerpoint/2010/main" val="1151372569"/>
-      </p:ext>
-    </p:extLst>
   </p:cSld>
   <p:clrMapOvr>
     <a:masterClrMapping/>
@@ -874,7 +862,7 @@
 
 <file path=ppt/slideLayouts/slideLayout3.xml><?xml version="1.0" encoding="utf-8"?>
 <p:sldLayout xmlns:a="http://schemas.openxmlformats.org/drawingml/2006/main" xmlns:r="http://schemas.openxmlformats.org/officeDocument/2006/relationships" xmlns:p="http://schemas.openxmlformats.org/presentationml/2006/main" type="secHead" preserve="1">
-  <p:cSld name="Section Header">
+  <p:cSld name="區段標題">
     <p:spTree>
       <p:nvGrpSpPr>
         <p:cNvPr id="1" name=""/>
@@ -891,7 +879,7 @@
       </p:grpSpPr>
       <p:sp>
         <p:nvSpPr>
-          <p:cNvPr id="2" name="Title 1"/>
+          <p:cNvPr id="2" name="標題 1"/>
           <p:cNvSpPr>
             <a:spLocks noGrp="1"/>
           </p:cNvSpPr>
@@ -914,16 +902,16 @@
           </a:lstStyle>
           <a:p>
             <a:r>
-              <a:rPr lang="en-US" smtClean="0"/>
-              <a:t>Click to edit Master title style</a:t>
-            </a:r>
-            <a:endParaRPr lang="en-US"/>
-          </a:p>
-        </p:txBody>
-      </p:sp>
-      <p:sp>
-        <p:nvSpPr>
-          <p:cNvPr id="3" name="Text Placeholder 2"/>
+              <a:rPr lang="zh-TW" altLang="en-US" smtClean="0"/>
+              <a:t>按一下以編輯母片標題樣式</a:t>
+            </a:r>
+            <a:endParaRPr lang="zh-TW" altLang="en-US"/>
+          </a:p>
+        </p:txBody>
+      </p:sp>
+      <p:sp>
+        <p:nvSpPr>
+          <p:cNvPr id="3" name="文字版面配置區 2"/>
           <p:cNvSpPr>
             <a:spLocks noGrp="1"/>
           </p:cNvSpPr>
@@ -1034,15 +1022,15 @@
           <a:p>
             <a:pPr lvl="0"/>
             <a:r>
-              <a:rPr lang="en-US" smtClean="0"/>
-              <a:t>Click to edit Master text styles</a:t>
-            </a:r>
-          </a:p>
-        </p:txBody>
-      </p:sp>
-      <p:sp>
-        <p:nvSpPr>
-          <p:cNvPr id="4" name="Date Placeholder 3"/>
+              <a:rPr lang="zh-TW" altLang="en-US" smtClean="0"/>
+              <a:t>按一下以編輯母片文字樣式</a:t>
+            </a:r>
+          </a:p>
+        </p:txBody>
+      </p:sp>
+      <p:sp>
+        <p:nvSpPr>
+          <p:cNvPr id="4" name="日期版面配置區 3"/>
           <p:cNvSpPr>
             <a:spLocks noGrp="1"/>
           </p:cNvSpPr>
@@ -1057,7 +1045,8 @@
           <a:p>
             <a:fld id="{525EC543-F334-4384-8466-8E685538363C}" type="datetimeFigureOut">
               <a:rPr lang="en-US" smtClean="0"/>
-              <a:t>12/23/2018</a:t>
+              <a:pPr/>
+              <a:t>1/19/2019</a:t>
             </a:fld>
             <a:endParaRPr lang="en-US"/>
           </a:p>
@@ -1065,7 +1054,7 @@
       </p:sp>
       <p:sp>
         <p:nvSpPr>
-          <p:cNvPr id="5" name="Footer Placeholder 4"/>
+          <p:cNvPr id="5" name="頁尾版面配置區 4"/>
           <p:cNvSpPr>
             <a:spLocks noGrp="1"/>
           </p:cNvSpPr>
@@ -1084,7 +1073,7 @@
       </p:sp>
       <p:sp>
         <p:nvSpPr>
-          <p:cNvPr id="6" name="Slide Number Placeholder 5"/>
+          <p:cNvPr id="6" name="投影片編號版面配置區 5"/>
           <p:cNvSpPr>
             <a:spLocks noGrp="1"/>
           </p:cNvSpPr>
@@ -1099,6 +1088,7 @@
           <a:p>
             <a:fld id="{495D3D98-C7C0-49E3-BF7C-2CB5255D9DD7}" type="slidenum">
               <a:rPr lang="en-US" smtClean="0"/>
+              <a:pPr/>
               <a:t>‹#›</a:t>
             </a:fld>
             <a:endParaRPr lang="en-US"/>
@@ -1106,11 +1096,6 @@
         </p:txBody>
       </p:sp>
     </p:spTree>
-    <p:extLst>
-      <p:ext uri="{BB962C8B-B14F-4D97-AF65-F5344CB8AC3E}">
-        <p14:creationId xmlns:p14="http://schemas.microsoft.com/office/powerpoint/2010/main" val="1775858904"/>
-      </p:ext>
-    </p:extLst>
   </p:cSld>
   <p:clrMapOvr>
     <a:masterClrMapping/>
@@ -1120,7 +1105,7 @@
 
 <file path=ppt/slideLayouts/slideLayout4.xml><?xml version="1.0" encoding="utf-8"?>
 <p:sldLayout xmlns:a="http://schemas.openxmlformats.org/drawingml/2006/main" xmlns:r="http://schemas.openxmlformats.org/officeDocument/2006/relationships" xmlns:p="http://schemas.openxmlformats.org/presentationml/2006/main" type="twoObj" preserve="1">
-  <p:cSld name="Two Content">
+  <p:cSld name="兩項物件">
     <p:spTree>
       <p:nvGrpSpPr>
         <p:cNvPr id="1" name=""/>
@@ -1137,7 +1122,7 @@
       </p:grpSpPr>
       <p:sp>
         <p:nvSpPr>
-          <p:cNvPr id="2" name="Title 1"/>
+          <p:cNvPr id="2" name="標題 1"/>
           <p:cNvSpPr>
             <a:spLocks noGrp="1"/>
           </p:cNvSpPr>
@@ -1151,16 +1136,16 @@
           <a:lstStyle/>
           <a:p>
             <a:r>
-              <a:rPr lang="en-US" smtClean="0"/>
-              <a:t>Click to edit Master title style</a:t>
-            </a:r>
-            <a:endParaRPr lang="en-US"/>
-          </a:p>
-        </p:txBody>
-      </p:sp>
-      <p:sp>
-        <p:nvSpPr>
-          <p:cNvPr id="3" name="Content Placeholder 2"/>
+              <a:rPr lang="zh-TW" altLang="en-US" smtClean="0"/>
+              <a:t>按一下以編輯母片標題樣式</a:t>
+            </a:r>
+            <a:endParaRPr lang="zh-TW" altLang="en-US"/>
+          </a:p>
+        </p:txBody>
+      </p:sp>
+      <p:sp>
+        <p:nvSpPr>
+          <p:cNvPr id="3" name="內容版面配置區 2"/>
           <p:cNvSpPr>
             <a:spLocks noGrp="1"/>
           </p:cNvSpPr>
@@ -1208,44 +1193,44 @@
           <a:p>
             <a:pPr lvl="0"/>
             <a:r>
-              <a:rPr lang="en-US" smtClean="0"/>
-              <a:t>Click to edit Master text styles</a:t>
+              <a:rPr lang="zh-TW" altLang="en-US" smtClean="0"/>
+              <a:t>按一下以編輯母片文字樣式</a:t>
             </a:r>
           </a:p>
           <a:p>
             <a:pPr lvl="1"/>
             <a:r>
-              <a:rPr lang="en-US" smtClean="0"/>
-              <a:t>Second level</a:t>
+              <a:rPr lang="zh-TW" altLang="en-US" smtClean="0"/>
+              <a:t>第二層</a:t>
             </a:r>
           </a:p>
           <a:p>
             <a:pPr lvl="2"/>
             <a:r>
-              <a:rPr lang="en-US" smtClean="0"/>
-              <a:t>Third level</a:t>
+              <a:rPr lang="zh-TW" altLang="en-US" smtClean="0"/>
+              <a:t>第三層</a:t>
             </a:r>
           </a:p>
           <a:p>
             <a:pPr lvl="3"/>
             <a:r>
-              <a:rPr lang="en-US" smtClean="0"/>
-              <a:t>Fourth level</a:t>
+              <a:rPr lang="zh-TW" altLang="en-US" smtClean="0"/>
+              <a:t>第四層</a:t>
             </a:r>
           </a:p>
           <a:p>
             <a:pPr lvl="4"/>
             <a:r>
-              <a:rPr lang="en-US" smtClean="0"/>
-              <a:t>Fifth level</a:t>
-            </a:r>
-            <a:endParaRPr lang="en-US"/>
-          </a:p>
-        </p:txBody>
-      </p:sp>
-      <p:sp>
-        <p:nvSpPr>
-          <p:cNvPr id="4" name="Content Placeholder 3"/>
+              <a:rPr lang="zh-TW" altLang="en-US" smtClean="0"/>
+              <a:t>第五層</a:t>
+            </a:r>
+            <a:endParaRPr lang="zh-TW" altLang="en-US"/>
+          </a:p>
+        </p:txBody>
+      </p:sp>
+      <p:sp>
+        <p:nvSpPr>
+          <p:cNvPr id="4" name="內容版面配置區 3"/>
           <p:cNvSpPr>
             <a:spLocks noGrp="1"/>
           </p:cNvSpPr>
@@ -1293,44 +1278,44 @@
           <a:p>
             <a:pPr lvl="0"/>
             <a:r>
-              <a:rPr lang="en-US" smtClean="0"/>
-              <a:t>Click to edit Master text styles</a:t>
+              <a:rPr lang="zh-TW" altLang="en-US" smtClean="0"/>
+              <a:t>按一下以編輯母片文字樣式</a:t>
             </a:r>
           </a:p>
           <a:p>
             <a:pPr lvl="1"/>
             <a:r>
-              <a:rPr lang="en-US" smtClean="0"/>
-              <a:t>Second level</a:t>
+              <a:rPr lang="zh-TW" altLang="en-US" smtClean="0"/>
+              <a:t>第二層</a:t>
             </a:r>
           </a:p>
           <a:p>
             <a:pPr lvl="2"/>
             <a:r>
-              <a:rPr lang="en-US" smtClean="0"/>
-              <a:t>Third level</a:t>
+              <a:rPr lang="zh-TW" altLang="en-US" smtClean="0"/>
+              <a:t>第三層</a:t>
             </a:r>
           </a:p>
           <a:p>
             <a:pPr lvl="3"/>
             <a:r>
-              <a:rPr lang="en-US" smtClean="0"/>
-              <a:t>Fourth level</a:t>
+              <a:rPr lang="zh-TW" altLang="en-US" smtClean="0"/>
+              <a:t>第四層</a:t>
             </a:r>
           </a:p>
           <a:p>
             <a:pPr lvl="4"/>
             <a:r>
-              <a:rPr lang="en-US" smtClean="0"/>
-              <a:t>Fifth level</a:t>
-            </a:r>
-            <a:endParaRPr lang="en-US"/>
-          </a:p>
-        </p:txBody>
-      </p:sp>
-      <p:sp>
-        <p:nvSpPr>
-          <p:cNvPr id="5" name="Date Placeholder 4"/>
+              <a:rPr lang="zh-TW" altLang="en-US" smtClean="0"/>
+              <a:t>第五層</a:t>
+            </a:r>
+            <a:endParaRPr lang="zh-TW" altLang="en-US"/>
+          </a:p>
+        </p:txBody>
+      </p:sp>
+      <p:sp>
+        <p:nvSpPr>
+          <p:cNvPr id="5" name="日期版面配置區 4"/>
           <p:cNvSpPr>
             <a:spLocks noGrp="1"/>
           </p:cNvSpPr>
@@ -1345,7 +1330,8 @@
           <a:p>
             <a:fld id="{525EC543-F334-4384-8466-8E685538363C}" type="datetimeFigureOut">
               <a:rPr lang="en-US" smtClean="0"/>
-              <a:t>12/23/2018</a:t>
+              <a:pPr/>
+              <a:t>1/19/2019</a:t>
             </a:fld>
             <a:endParaRPr lang="en-US"/>
           </a:p>
@@ -1353,7 +1339,7 @@
       </p:sp>
       <p:sp>
         <p:nvSpPr>
-          <p:cNvPr id="6" name="Footer Placeholder 5"/>
+          <p:cNvPr id="6" name="頁尾版面配置區 5"/>
           <p:cNvSpPr>
             <a:spLocks noGrp="1"/>
           </p:cNvSpPr>
@@ -1372,7 +1358,7 @@
       </p:sp>
       <p:sp>
         <p:nvSpPr>
-          <p:cNvPr id="7" name="Slide Number Placeholder 6"/>
+          <p:cNvPr id="7" name="投影片編號版面配置區 6"/>
           <p:cNvSpPr>
             <a:spLocks noGrp="1"/>
           </p:cNvSpPr>
@@ -1387,6 +1373,7 @@
           <a:p>
             <a:fld id="{495D3D98-C7C0-49E3-BF7C-2CB5255D9DD7}" type="slidenum">
               <a:rPr lang="en-US" smtClean="0"/>
+              <a:pPr/>
               <a:t>‹#›</a:t>
             </a:fld>
             <a:endParaRPr lang="en-US"/>
@@ -1394,11 +1381,6 @@
         </p:txBody>
       </p:sp>
     </p:spTree>
-    <p:extLst>
-      <p:ext uri="{BB962C8B-B14F-4D97-AF65-F5344CB8AC3E}">
-        <p14:creationId xmlns:p14="http://schemas.microsoft.com/office/powerpoint/2010/main" val="3352401468"/>
-      </p:ext>
-    </p:extLst>
   </p:cSld>
   <p:clrMapOvr>
     <a:masterClrMapping/>
@@ -1408,7 +1390,7 @@
 
 <file path=ppt/slideLayouts/slideLayout5.xml><?xml version="1.0" encoding="utf-8"?>
 <p:sldLayout xmlns:a="http://schemas.openxmlformats.org/drawingml/2006/main" xmlns:r="http://schemas.openxmlformats.org/officeDocument/2006/relationships" xmlns:p="http://schemas.openxmlformats.org/presentationml/2006/main" type="twoTxTwoObj" preserve="1">
-  <p:cSld name="Comparison">
+  <p:cSld name="比對">
     <p:spTree>
       <p:nvGrpSpPr>
         <p:cNvPr id="1" name=""/>
@@ -1425,7 +1407,7 @@
       </p:grpSpPr>
       <p:sp>
         <p:nvSpPr>
-          <p:cNvPr id="2" name="Title 1"/>
+          <p:cNvPr id="2" name="標題 1"/>
           <p:cNvSpPr>
             <a:spLocks noGrp="1"/>
           </p:cNvSpPr>
@@ -1443,16 +1425,16 @@
           </a:lstStyle>
           <a:p>
             <a:r>
-              <a:rPr lang="en-US" smtClean="0"/>
-              <a:t>Click to edit Master title style</a:t>
-            </a:r>
-            <a:endParaRPr lang="en-US"/>
-          </a:p>
-        </p:txBody>
-      </p:sp>
-      <p:sp>
-        <p:nvSpPr>
-          <p:cNvPr id="3" name="Text Placeholder 2"/>
+              <a:rPr lang="zh-TW" altLang="en-US" smtClean="0"/>
+              <a:t>按一下以編輯母片標題樣式</a:t>
+            </a:r>
+            <a:endParaRPr lang="zh-TW" altLang="en-US"/>
+          </a:p>
+        </p:txBody>
+      </p:sp>
+      <p:sp>
+        <p:nvSpPr>
+          <p:cNvPr id="3" name="文字版面配置區 2"/>
           <p:cNvSpPr>
             <a:spLocks noGrp="1"/>
           </p:cNvSpPr>
@@ -1509,15 +1491,15 @@
           <a:p>
             <a:pPr lvl="0"/>
             <a:r>
-              <a:rPr lang="en-US" smtClean="0"/>
-              <a:t>Click to edit Master text styles</a:t>
-            </a:r>
-          </a:p>
-        </p:txBody>
-      </p:sp>
-      <p:sp>
-        <p:nvSpPr>
-          <p:cNvPr id="4" name="Content Placeholder 3"/>
+              <a:rPr lang="zh-TW" altLang="en-US" smtClean="0"/>
+              <a:t>按一下以編輯母片文字樣式</a:t>
+            </a:r>
+          </a:p>
+        </p:txBody>
+      </p:sp>
+      <p:sp>
+        <p:nvSpPr>
+          <p:cNvPr id="4" name="內容版面配置區 3"/>
           <p:cNvSpPr>
             <a:spLocks noGrp="1"/>
           </p:cNvSpPr>
@@ -1565,44 +1547,44 @@
           <a:p>
             <a:pPr lvl="0"/>
             <a:r>
-              <a:rPr lang="en-US" smtClean="0"/>
-              <a:t>Click to edit Master text styles</a:t>
+              <a:rPr lang="zh-TW" altLang="en-US" smtClean="0"/>
+              <a:t>按一下以編輯母片文字樣式</a:t>
             </a:r>
           </a:p>
           <a:p>
             <a:pPr lvl="1"/>
             <a:r>
-              <a:rPr lang="en-US" smtClean="0"/>
-              <a:t>Second level</a:t>
+              <a:rPr lang="zh-TW" altLang="en-US" smtClean="0"/>
+              <a:t>第二層</a:t>
             </a:r>
           </a:p>
           <a:p>
             <a:pPr lvl="2"/>
             <a:r>
-              <a:rPr lang="en-US" smtClean="0"/>
-              <a:t>Third level</a:t>
+              <a:rPr lang="zh-TW" altLang="en-US" smtClean="0"/>
+              <a:t>第三層</a:t>
             </a:r>
           </a:p>
           <a:p>
             <a:pPr lvl="3"/>
             <a:r>
-              <a:rPr lang="en-US" smtClean="0"/>
-              <a:t>Fourth level</a:t>
+              <a:rPr lang="zh-TW" altLang="en-US" smtClean="0"/>
+              <a:t>第四層</a:t>
             </a:r>
           </a:p>
           <a:p>
             <a:pPr lvl="4"/>
             <a:r>
-              <a:rPr lang="en-US" smtClean="0"/>
-              <a:t>Fifth level</a:t>
-            </a:r>
-            <a:endParaRPr lang="en-US"/>
-          </a:p>
-        </p:txBody>
-      </p:sp>
-      <p:sp>
-        <p:nvSpPr>
-          <p:cNvPr id="5" name="Text Placeholder 4"/>
+              <a:rPr lang="zh-TW" altLang="en-US" smtClean="0"/>
+              <a:t>第五層</a:t>
+            </a:r>
+            <a:endParaRPr lang="zh-TW" altLang="en-US"/>
+          </a:p>
+        </p:txBody>
+      </p:sp>
+      <p:sp>
+        <p:nvSpPr>
+          <p:cNvPr id="5" name="文字版面配置區 4"/>
           <p:cNvSpPr>
             <a:spLocks noGrp="1"/>
           </p:cNvSpPr>
@@ -1659,15 +1641,15 @@
           <a:p>
             <a:pPr lvl="0"/>
             <a:r>
-              <a:rPr lang="en-US" smtClean="0"/>
-              <a:t>Click to edit Master text styles</a:t>
-            </a:r>
-          </a:p>
-        </p:txBody>
-      </p:sp>
-      <p:sp>
-        <p:nvSpPr>
-          <p:cNvPr id="6" name="Content Placeholder 5"/>
+              <a:rPr lang="zh-TW" altLang="en-US" smtClean="0"/>
+              <a:t>按一下以編輯母片文字樣式</a:t>
+            </a:r>
+          </a:p>
+        </p:txBody>
+      </p:sp>
+      <p:sp>
+        <p:nvSpPr>
+          <p:cNvPr id="6" name="內容版面配置區 5"/>
           <p:cNvSpPr>
             <a:spLocks noGrp="1"/>
           </p:cNvSpPr>
@@ -1715,44 +1697,44 @@
           <a:p>
             <a:pPr lvl="0"/>
             <a:r>
-              <a:rPr lang="en-US" smtClean="0"/>
-              <a:t>Click to edit Master text styles</a:t>
+              <a:rPr lang="zh-TW" altLang="en-US" smtClean="0"/>
+              <a:t>按一下以編輯母片文字樣式</a:t>
             </a:r>
           </a:p>
           <a:p>
             <a:pPr lvl="1"/>
             <a:r>
-              <a:rPr lang="en-US" smtClean="0"/>
-              <a:t>Second level</a:t>
+              <a:rPr lang="zh-TW" altLang="en-US" smtClean="0"/>
+              <a:t>第二層</a:t>
             </a:r>
           </a:p>
           <a:p>
             <a:pPr lvl="2"/>
             <a:r>
-              <a:rPr lang="en-US" smtClean="0"/>
-              <a:t>Third level</a:t>
+              <a:rPr lang="zh-TW" altLang="en-US" smtClean="0"/>
+              <a:t>第三層</a:t>
             </a:r>
           </a:p>
           <a:p>
             <a:pPr lvl="3"/>
             <a:r>
-              <a:rPr lang="en-US" smtClean="0"/>
-              <a:t>Fourth level</a:t>
+              <a:rPr lang="zh-TW" altLang="en-US" smtClean="0"/>
+              <a:t>第四層</a:t>
             </a:r>
           </a:p>
           <a:p>
             <a:pPr lvl="4"/>
             <a:r>
-              <a:rPr lang="en-US" smtClean="0"/>
-              <a:t>Fifth level</a:t>
-            </a:r>
-            <a:endParaRPr lang="en-US"/>
-          </a:p>
-        </p:txBody>
-      </p:sp>
-      <p:sp>
-        <p:nvSpPr>
-          <p:cNvPr id="7" name="Date Placeholder 6"/>
+              <a:rPr lang="zh-TW" altLang="en-US" smtClean="0"/>
+              <a:t>第五層</a:t>
+            </a:r>
+            <a:endParaRPr lang="zh-TW" altLang="en-US"/>
+          </a:p>
+        </p:txBody>
+      </p:sp>
+      <p:sp>
+        <p:nvSpPr>
+          <p:cNvPr id="7" name="日期版面配置區 6"/>
           <p:cNvSpPr>
             <a:spLocks noGrp="1"/>
           </p:cNvSpPr>
@@ -1767,7 +1749,8 @@
           <a:p>
             <a:fld id="{525EC543-F334-4384-8466-8E685538363C}" type="datetimeFigureOut">
               <a:rPr lang="en-US" smtClean="0"/>
-              <a:t>12/23/2018</a:t>
+              <a:pPr/>
+              <a:t>1/19/2019</a:t>
             </a:fld>
             <a:endParaRPr lang="en-US"/>
           </a:p>
@@ -1775,7 +1758,7 @@
       </p:sp>
       <p:sp>
         <p:nvSpPr>
-          <p:cNvPr id="8" name="Footer Placeholder 7"/>
+          <p:cNvPr id="8" name="頁尾版面配置區 7"/>
           <p:cNvSpPr>
             <a:spLocks noGrp="1"/>
           </p:cNvSpPr>
@@ -1794,7 +1777,7 @@
       </p:sp>
       <p:sp>
         <p:nvSpPr>
-          <p:cNvPr id="9" name="Slide Number Placeholder 8"/>
+          <p:cNvPr id="9" name="投影片編號版面配置區 8"/>
           <p:cNvSpPr>
             <a:spLocks noGrp="1"/>
           </p:cNvSpPr>
@@ -1809,6 +1792,7 @@
           <a:p>
             <a:fld id="{495D3D98-C7C0-49E3-BF7C-2CB5255D9DD7}" type="slidenum">
               <a:rPr lang="en-US" smtClean="0"/>
+              <a:pPr/>
               <a:t>‹#›</a:t>
             </a:fld>
             <a:endParaRPr lang="en-US"/>
@@ -1816,11 +1800,6 @@
         </p:txBody>
       </p:sp>
     </p:spTree>
-    <p:extLst>
-      <p:ext uri="{BB962C8B-B14F-4D97-AF65-F5344CB8AC3E}">
-        <p14:creationId xmlns:p14="http://schemas.microsoft.com/office/powerpoint/2010/main" val="16235923"/>
-      </p:ext>
-    </p:extLst>
   </p:cSld>
   <p:clrMapOvr>
     <a:masterClrMapping/>
@@ -1830,7 +1809,7 @@
 
 <file path=ppt/slideLayouts/slideLayout6.xml><?xml version="1.0" encoding="utf-8"?>
 <p:sldLayout xmlns:a="http://schemas.openxmlformats.org/drawingml/2006/main" xmlns:r="http://schemas.openxmlformats.org/officeDocument/2006/relationships" xmlns:p="http://schemas.openxmlformats.org/presentationml/2006/main" type="titleOnly" preserve="1">
-  <p:cSld name="Title Only">
+  <p:cSld name="只有標題">
     <p:spTree>
       <p:nvGrpSpPr>
         <p:cNvPr id="1" name=""/>
@@ -1847,7 +1826,7 @@
       </p:grpSpPr>
       <p:sp>
         <p:nvSpPr>
-          <p:cNvPr id="2" name="Title 1"/>
+          <p:cNvPr id="2" name="標題 1"/>
           <p:cNvSpPr>
             <a:spLocks noGrp="1"/>
           </p:cNvSpPr>
@@ -1861,16 +1840,16 @@
           <a:lstStyle/>
           <a:p>
             <a:r>
-              <a:rPr lang="en-US" smtClean="0"/>
-              <a:t>Click to edit Master title style</a:t>
-            </a:r>
-            <a:endParaRPr lang="en-US"/>
-          </a:p>
-        </p:txBody>
-      </p:sp>
-      <p:sp>
-        <p:nvSpPr>
-          <p:cNvPr id="3" name="Date Placeholder 2"/>
+              <a:rPr lang="zh-TW" altLang="en-US" smtClean="0"/>
+              <a:t>按一下以編輯母片標題樣式</a:t>
+            </a:r>
+            <a:endParaRPr lang="zh-TW" altLang="en-US"/>
+          </a:p>
+        </p:txBody>
+      </p:sp>
+      <p:sp>
+        <p:nvSpPr>
+          <p:cNvPr id="3" name="日期版面配置區 2"/>
           <p:cNvSpPr>
             <a:spLocks noGrp="1"/>
           </p:cNvSpPr>
@@ -1885,7 +1864,8 @@
           <a:p>
             <a:fld id="{525EC543-F334-4384-8466-8E685538363C}" type="datetimeFigureOut">
               <a:rPr lang="en-US" smtClean="0"/>
-              <a:t>12/23/2018</a:t>
+              <a:pPr/>
+              <a:t>1/19/2019</a:t>
             </a:fld>
             <a:endParaRPr lang="en-US"/>
           </a:p>
@@ -1893,7 +1873,7 @@
       </p:sp>
       <p:sp>
         <p:nvSpPr>
-          <p:cNvPr id="4" name="Footer Placeholder 3"/>
+          <p:cNvPr id="4" name="頁尾版面配置區 3"/>
           <p:cNvSpPr>
             <a:spLocks noGrp="1"/>
           </p:cNvSpPr>
@@ -1912,7 +1892,7 @@
       </p:sp>
       <p:sp>
         <p:nvSpPr>
-          <p:cNvPr id="5" name="Slide Number Placeholder 4"/>
+          <p:cNvPr id="5" name="投影片編號版面配置區 4"/>
           <p:cNvSpPr>
             <a:spLocks noGrp="1"/>
           </p:cNvSpPr>
@@ -1927,6 +1907,7 @@
           <a:p>
             <a:fld id="{495D3D98-C7C0-49E3-BF7C-2CB5255D9DD7}" type="slidenum">
               <a:rPr lang="en-US" smtClean="0"/>
+              <a:pPr/>
               <a:t>‹#›</a:t>
             </a:fld>
             <a:endParaRPr lang="en-US"/>
@@ -1934,11 +1915,6 @@
         </p:txBody>
       </p:sp>
     </p:spTree>
-    <p:extLst>
-      <p:ext uri="{BB962C8B-B14F-4D97-AF65-F5344CB8AC3E}">
-        <p14:creationId xmlns:p14="http://schemas.microsoft.com/office/powerpoint/2010/main" val="4033662909"/>
-      </p:ext>
-    </p:extLst>
   </p:cSld>
   <p:clrMapOvr>
     <a:masterClrMapping/>
@@ -1948,7 +1924,7 @@
 
 <file path=ppt/slideLayouts/slideLayout7.xml><?xml version="1.0" encoding="utf-8"?>
 <p:sldLayout xmlns:a="http://schemas.openxmlformats.org/drawingml/2006/main" xmlns:r="http://schemas.openxmlformats.org/officeDocument/2006/relationships" xmlns:p="http://schemas.openxmlformats.org/presentationml/2006/main" type="blank" preserve="1">
-  <p:cSld name="Blank">
+  <p:cSld name="空白">
     <p:spTree>
       <p:nvGrpSpPr>
         <p:cNvPr id="1" name=""/>
@@ -1965,7 +1941,7 @@
       </p:grpSpPr>
       <p:sp>
         <p:nvSpPr>
-          <p:cNvPr id="2" name="Date Placeholder 1"/>
+          <p:cNvPr id="2" name="日期版面配置區 1"/>
           <p:cNvSpPr>
             <a:spLocks noGrp="1"/>
           </p:cNvSpPr>
@@ -1980,7 +1956,8 @@
           <a:p>
             <a:fld id="{525EC543-F334-4384-8466-8E685538363C}" type="datetimeFigureOut">
               <a:rPr lang="en-US" smtClean="0"/>
-              <a:t>12/23/2018</a:t>
+              <a:pPr/>
+              <a:t>1/19/2019</a:t>
             </a:fld>
             <a:endParaRPr lang="en-US"/>
           </a:p>
@@ -1988,7 +1965,7 @@
       </p:sp>
       <p:sp>
         <p:nvSpPr>
-          <p:cNvPr id="3" name="Footer Placeholder 2"/>
+          <p:cNvPr id="3" name="頁尾版面配置區 2"/>
           <p:cNvSpPr>
             <a:spLocks noGrp="1"/>
           </p:cNvSpPr>
@@ -2007,7 +1984,7 @@
       </p:sp>
       <p:sp>
         <p:nvSpPr>
-          <p:cNvPr id="4" name="Slide Number Placeholder 3"/>
+          <p:cNvPr id="4" name="投影片編號版面配置區 3"/>
           <p:cNvSpPr>
             <a:spLocks noGrp="1"/>
           </p:cNvSpPr>
@@ -2022,6 +1999,7 @@
           <a:p>
             <a:fld id="{495D3D98-C7C0-49E3-BF7C-2CB5255D9DD7}" type="slidenum">
               <a:rPr lang="en-US" smtClean="0"/>
+              <a:pPr/>
               <a:t>‹#›</a:t>
             </a:fld>
             <a:endParaRPr lang="en-US"/>
@@ -2029,11 +2007,6 @@
         </p:txBody>
       </p:sp>
     </p:spTree>
-    <p:extLst>
-      <p:ext uri="{BB962C8B-B14F-4D97-AF65-F5344CB8AC3E}">
-        <p14:creationId xmlns:p14="http://schemas.microsoft.com/office/powerpoint/2010/main" val="104666969"/>
-      </p:ext>
-    </p:extLst>
   </p:cSld>
   <p:clrMapOvr>
     <a:masterClrMapping/>
@@ -2043,7 +2016,7 @@
 
 <file path=ppt/slideLayouts/slideLayout8.xml><?xml version="1.0" encoding="utf-8"?>
 <p:sldLayout xmlns:a="http://schemas.openxmlformats.org/drawingml/2006/main" xmlns:r="http://schemas.openxmlformats.org/officeDocument/2006/relationships" xmlns:p="http://schemas.openxmlformats.org/presentationml/2006/main" type="objTx" preserve="1">
-  <p:cSld name="Content with Caption">
+  <p:cSld name="含標題的內容">
     <p:spTree>
       <p:nvGrpSpPr>
         <p:cNvPr id="1" name=""/>
@@ -2060,7 +2033,7 @@
       </p:grpSpPr>
       <p:sp>
         <p:nvSpPr>
-          <p:cNvPr id="2" name="Title 1"/>
+          <p:cNvPr id="2" name="標題 1"/>
           <p:cNvSpPr>
             <a:spLocks noGrp="1"/>
           </p:cNvSpPr>
@@ -2083,16 +2056,16 @@
           </a:lstStyle>
           <a:p>
             <a:r>
-              <a:rPr lang="en-US" smtClean="0"/>
-              <a:t>Click to edit Master title style</a:t>
-            </a:r>
-            <a:endParaRPr lang="en-US"/>
-          </a:p>
-        </p:txBody>
-      </p:sp>
-      <p:sp>
-        <p:nvSpPr>
-          <p:cNvPr id="3" name="Content Placeholder 2"/>
+              <a:rPr lang="zh-TW" altLang="en-US" smtClean="0"/>
+              <a:t>按一下以編輯母片標題樣式</a:t>
+            </a:r>
+            <a:endParaRPr lang="zh-TW" altLang="en-US"/>
+          </a:p>
+        </p:txBody>
+      </p:sp>
+      <p:sp>
+        <p:nvSpPr>
+          <p:cNvPr id="3" name="內容版面配置區 2"/>
           <p:cNvSpPr>
             <a:spLocks noGrp="1"/>
           </p:cNvSpPr>
@@ -2140,44 +2113,44 @@
           <a:p>
             <a:pPr lvl="0"/>
             <a:r>
-              <a:rPr lang="en-US" smtClean="0"/>
-              <a:t>Click to edit Master text styles</a:t>
+              <a:rPr lang="zh-TW" altLang="en-US" smtClean="0"/>
+              <a:t>按一下以編輯母片文字樣式</a:t>
             </a:r>
           </a:p>
           <a:p>
             <a:pPr lvl="1"/>
             <a:r>
-              <a:rPr lang="en-US" smtClean="0"/>
-              <a:t>Second level</a:t>
+              <a:rPr lang="zh-TW" altLang="en-US" smtClean="0"/>
+              <a:t>第二層</a:t>
             </a:r>
           </a:p>
           <a:p>
             <a:pPr lvl="2"/>
             <a:r>
-              <a:rPr lang="en-US" smtClean="0"/>
-              <a:t>Third level</a:t>
+              <a:rPr lang="zh-TW" altLang="en-US" smtClean="0"/>
+              <a:t>第三層</a:t>
             </a:r>
           </a:p>
           <a:p>
             <a:pPr lvl="3"/>
             <a:r>
-              <a:rPr lang="en-US" smtClean="0"/>
-              <a:t>Fourth level</a:t>
+              <a:rPr lang="zh-TW" altLang="en-US" smtClean="0"/>
+              <a:t>第四層</a:t>
             </a:r>
           </a:p>
           <a:p>
             <a:pPr lvl="4"/>
             <a:r>
-              <a:rPr lang="en-US" smtClean="0"/>
-              <a:t>Fifth level</a:t>
-            </a:r>
-            <a:endParaRPr lang="en-US"/>
-          </a:p>
-        </p:txBody>
-      </p:sp>
-      <p:sp>
-        <p:nvSpPr>
-          <p:cNvPr id="4" name="Text Placeholder 3"/>
+              <a:rPr lang="zh-TW" altLang="en-US" smtClean="0"/>
+              <a:t>第五層</a:t>
+            </a:r>
+            <a:endParaRPr lang="zh-TW" altLang="en-US"/>
+          </a:p>
+        </p:txBody>
+      </p:sp>
+      <p:sp>
+        <p:nvSpPr>
+          <p:cNvPr id="4" name="文字版面配置區 3"/>
           <p:cNvSpPr>
             <a:spLocks noGrp="1"/>
           </p:cNvSpPr>
@@ -2234,15 +2207,15 @@
           <a:p>
             <a:pPr lvl="0"/>
             <a:r>
-              <a:rPr lang="en-US" smtClean="0"/>
-              <a:t>Click to edit Master text styles</a:t>
-            </a:r>
-          </a:p>
-        </p:txBody>
-      </p:sp>
-      <p:sp>
-        <p:nvSpPr>
-          <p:cNvPr id="5" name="Date Placeholder 4"/>
+              <a:rPr lang="zh-TW" altLang="en-US" smtClean="0"/>
+              <a:t>按一下以編輯母片文字樣式</a:t>
+            </a:r>
+          </a:p>
+        </p:txBody>
+      </p:sp>
+      <p:sp>
+        <p:nvSpPr>
+          <p:cNvPr id="5" name="日期版面配置區 4"/>
           <p:cNvSpPr>
             <a:spLocks noGrp="1"/>
           </p:cNvSpPr>
@@ -2257,7 +2230,8 @@
           <a:p>
             <a:fld id="{525EC543-F334-4384-8466-8E685538363C}" type="datetimeFigureOut">
               <a:rPr lang="en-US" smtClean="0"/>
-              <a:t>12/23/2018</a:t>
+              <a:pPr/>
+              <a:t>1/19/2019</a:t>
             </a:fld>
             <a:endParaRPr lang="en-US"/>
           </a:p>
@@ -2265,7 +2239,7 @@
       </p:sp>
       <p:sp>
         <p:nvSpPr>
-          <p:cNvPr id="6" name="Footer Placeholder 5"/>
+          <p:cNvPr id="6" name="頁尾版面配置區 5"/>
           <p:cNvSpPr>
             <a:spLocks noGrp="1"/>
           </p:cNvSpPr>
@@ -2284,7 +2258,7 @@
       </p:sp>
       <p:sp>
         <p:nvSpPr>
-          <p:cNvPr id="7" name="Slide Number Placeholder 6"/>
+          <p:cNvPr id="7" name="投影片編號版面配置區 6"/>
           <p:cNvSpPr>
             <a:spLocks noGrp="1"/>
           </p:cNvSpPr>
@@ -2299,6 +2273,7 @@
           <a:p>
             <a:fld id="{495D3D98-C7C0-49E3-BF7C-2CB5255D9DD7}" type="slidenum">
               <a:rPr lang="en-US" smtClean="0"/>
+              <a:pPr/>
               <a:t>‹#›</a:t>
             </a:fld>
             <a:endParaRPr lang="en-US"/>
@@ -2306,11 +2281,6 @@
         </p:txBody>
       </p:sp>
     </p:spTree>
-    <p:extLst>
-      <p:ext uri="{BB962C8B-B14F-4D97-AF65-F5344CB8AC3E}">
-        <p14:creationId xmlns:p14="http://schemas.microsoft.com/office/powerpoint/2010/main" val="4126547500"/>
-      </p:ext>
-    </p:extLst>
   </p:cSld>
   <p:clrMapOvr>
     <a:masterClrMapping/>
@@ -2320,7 +2290,7 @@
 
 <file path=ppt/slideLayouts/slideLayout9.xml><?xml version="1.0" encoding="utf-8"?>
 <p:sldLayout xmlns:a="http://schemas.openxmlformats.org/drawingml/2006/main" xmlns:r="http://schemas.openxmlformats.org/officeDocument/2006/relationships" xmlns:p="http://schemas.openxmlformats.org/presentationml/2006/main" type="picTx" preserve="1">
-  <p:cSld name="Picture with Caption">
+  <p:cSld name="含標題的圖片">
     <p:spTree>
       <p:nvGrpSpPr>
         <p:cNvPr id="1" name=""/>
@@ -2337,7 +2307,7 @@
       </p:grpSpPr>
       <p:sp>
         <p:nvSpPr>
-          <p:cNvPr id="2" name="Title 1"/>
+          <p:cNvPr id="2" name="標題 1"/>
           <p:cNvSpPr>
             <a:spLocks noGrp="1"/>
           </p:cNvSpPr>
@@ -2360,16 +2330,16 @@
           </a:lstStyle>
           <a:p>
             <a:r>
-              <a:rPr lang="en-US" smtClean="0"/>
-              <a:t>Click to edit Master title style</a:t>
-            </a:r>
-            <a:endParaRPr lang="en-US"/>
-          </a:p>
-        </p:txBody>
-      </p:sp>
-      <p:sp>
-        <p:nvSpPr>
-          <p:cNvPr id="3" name="Picture Placeholder 2"/>
+              <a:rPr lang="zh-TW" altLang="en-US" smtClean="0"/>
+              <a:t>按一下以編輯母片標題樣式</a:t>
+            </a:r>
+            <a:endParaRPr lang="zh-TW" altLang="en-US"/>
+          </a:p>
+        </p:txBody>
+      </p:sp>
+      <p:sp>
+        <p:nvSpPr>
+          <p:cNvPr id="3" name="圖片版面配置區 2"/>
           <p:cNvSpPr>
             <a:spLocks noGrp="1"/>
           </p:cNvSpPr>
@@ -2424,13 +2394,17 @@
             </a:lvl9pPr>
           </a:lstStyle>
           <a:p>
-            <a:endParaRPr lang="en-US"/>
-          </a:p>
-        </p:txBody>
-      </p:sp>
-      <p:sp>
-        <p:nvSpPr>
-          <p:cNvPr id="4" name="Text Placeholder 3"/>
+            <a:r>
+              <a:rPr lang="zh-TW" altLang="en-US" smtClean="0"/>
+              <a:t>按一下圖示以新增圖片</a:t>
+            </a:r>
+            <a:endParaRPr lang="zh-TW" altLang="en-US"/>
+          </a:p>
+        </p:txBody>
+      </p:sp>
+      <p:sp>
+        <p:nvSpPr>
+          <p:cNvPr id="4" name="文字版面配置區 3"/>
           <p:cNvSpPr>
             <a:spLocks noGrp="1"/>
           </p:cNvSpPr>
@@ -2487,15 +2461,15 @@
           <a:p>
             <a:pPr lvl="0"/>
             <a:r>
-              <a:rPr lang="en-US" smtClean="0"/>
-              <a:t>Click to edit Master text styles</a:t>
-            </a:r>
-          </a:p>
-        </p:txBody>
-      </p:sp>
-      <p:sp>
-        <p:nvSpPr>
-          <p:cNvPr id="5" name="Date Placeholder 4"/>
+              <a:rPr lang="zh-TW" altLang="en-US" smtClean="0"/>
+              <a:t>按一下以編輯母片文字樣式</a:t>
+            </a:r>
+          </a:p>
+        </p:txBody>
+      </p:sp>
+      <p:sp>
+        <p:nvSpPr>
+          <p:cNvPr id="5" name="日期版面配置區 4"/>
           <p:cNvSpPr>
             <a:spLocks noGrp="1"/>
           </p:cNvSpPr>
@@ -2510,7 +2484,8 @@
           <a:p>
             <a:fld id="{525EC543-F334-4384-8466-8E685538363C}" type="datetimeFigureOut">
               <a:rPr lang="en-US" smtClean="0"/>
-              <a:t>12/23/2018</a:t>
+              <a:pPr/>
+              <a:t>1/19/2019</a:t>
             </a:fld>
             <a:endParaRPr lang="en-US"/>
           </a:p>
@@ -2518,7 +2493,7 @@
       </p:sp>
       <p:sp>
         <p:nvSpPr>
-          <p:cNvPr id="6" name="Footer Placeholder 5"/>
+          <p:cNvPr id="6" name="頁尾版面配置區 5"/>
           <p:cNvSpPr>
             <a:spLocks noGrp="1"/>
           </p:cNvSpPr>
@@ -2537,7 +2512,7 @@
       </p:sp>
       <p:sp>
         <p:nvSpPr>
-          <p:cNvPr id="7" name="Slide Number Placeholder 6"/>
+          <p:cNvPr id="7" name="投影片編號版面配置區 6"/>
           <p:cNvSpPr>
             <a:spLocks noGrp="1"/>
           </p:cNvSpPr>
@@ -2552,6 +2527,7 @@
           <a:p>
             <a:fld id="{495D3D98-C7C0-49E3-BF7C-2CB5255D9DD7}" type="slidenum">
               <a:rPr lang="en-US" smtClean="0"/>
+              <a:pPr/>
               <a:t>‹#›</a:t>
             </a:fld>
             <a:endParaRPr lang="en-US"/>
@@ -2559,11 +2535,6 @@
         </p:txBody>
       </p:sp>
     </p:spTree>
-    <p:extLst>
-      <p:ext uri="{BB962C8B-B14F-4D97-AF65-F5344CB8AC3E}">
-        <p14:creationId xmlns:p14="http://schemas.microsoft.com/office/powerpoint/2010/main" val="586357258"/>
-      </p:ext>
-    </p:extLst>
   </p:cSld>
   <p:clrMapOvr>
     <a:masterClrMapping/>
@@ -2575,9 +2546,14 @@
 <p:sldMaster xmlns:a="http://schemas.openxmlformats.org/drawingml/2006/main" xmlns:r="http://schemas.openxmlformats.org/officeDocument/2006/relationships" xmlns:p="http://schemas.openxmlformats.org/presentationml/2006/main">
   <p:cSld>
     <p:bg>
-      <p:bgRef idx="1001">
-        <a:schemeClr val="bg1"/>
-      </p:bgRef>
+      <p:bgPr>
+        <a:blipFill dpi="0" rotWithShape="1">
+          <a:blip r:embed="rId13"/>
+          <a:srcRect/>
+          <a:tile tx="0" ty="0" sx="100000" sy="100000" flip="none" algn="tl"/>
+        </a:blipFill>
+        <a:effectLst/>
+      </p:bgPr>
     </p:bg>
     <p:spTree>
       <p:nvGrpSpPr>
@@ -2595,7 +2571,7 @@
       </p:grpSpPr>
       <p:sp>
         <p:nvSpPr>
-          <p:cNvPr id="2" name="Title Placeholder 1"/>
+          <p:cNvPr id="2" name="標題版面配置區 1"/>
           <p:cNvSpPr>
             <a:spLocks noGrp="1"/>
           </p:cNvSpPr>
@@ -2619,16 +2595,16 @@
           <a:lstStyle/>
           <a:p>
             <a:r>
-              <a:rPr lang="en-US" smtClean="0"/>
-              <a:t>Click to edit Master title style</a:t>
-            </a:r>
-            <a:endParaRPr lang="en-US"/>
-          </a:p>
-        </p:txBody>
-      </p:sp>
-      <p:sp>
-        <p:nvSpPr>
-          <p:cNvPr id="3" name="Text Placeholder 2"/>
+              <a:rPr lang="zh-TW" altLang="en-US" smtClean="0"/>
+              <a:t>按一下以編輯母片標題樣式</a:t>
+            </a:r>
+            <a:endParaRPr lang="zh-TW" altLang="en-US"/>
+          </a:p>
+        </p:txBody>
+      </p:sp>
+      <p:sp>
+        <p:nvSpPr>
+          <p:cNvPr id="3" name="文字版面配置區 2"/>
           <p:cNvSpPr>
             <a:spLocks noGrp="1"/>
           </p:cNvSpPr>
@@ -2653,44 +2629,44 @@
           <a:p>
             <a:pPr lvl="0"/>
             <a:r>
-              <a:rPr lang="en-US" smtClean="0"/>
-              <a:t>Click to edit Master text styles</a:t>
+              <a:rPr lang="zh-TW" altLang="en-US" smtClean="0"/>
+              <a:t>按一下以編輯母片文字樣式</a:t>
             </a:r>
           </a:p>
           <a:p>
             <a:pPr lvl="1"/>
             <a:r>
-              <a:rPr lang="en-US" smtClean="0"/>
-              <a:t>Second level</a:t>
+              <a:rPr lang="zh-TW" altLang="en-US" smtClean="0"/>
+              <a:t>第二層</a:t>
             </a:r>
           </a:p>
           <a:p>
             <a:pPr lvl="2"/>
             <a:r>
-              <a:rPr lang="en-US" smtClean="0"/>
-              <a:t>Third level</a:t>
+              <a:rPr lang="zh-TW" altLang="en-US" smtClean="0"/>
+              <a:t>第三層</a:t>
             </a:r>
           </a:p>
           <a:p>
             <a:pPr lvl="3"/>
             <a:r>
-              <a:rPr lang="en-US" smtClean="0"/>
-              <a:t>Fourth level</a:t>
+              <a:rPr lang="zh-TW" altLang="en-US" smtClean="0"/>
+              <a:t>第四層</a:t>
             </a:r>
           </a:p>
           <a:p>
             <a:pPr lvl="4"/>
             <a:r>
-              <a:rPr lang="en-US" smtClean="0"/>
-              <a:t>Fifth level</a:t>
-            </a:r>
-            <a:endParaRPr lang="en-US"/>
-          </a:p>
-        </p:txBody>
-      </p:sp>
-      <p:sp>
-        <p:nvSpPr>
-          <p:cNvPr id="4" name="Date Placeholder 3"/>
+              <a:rPr lang="zh-TW" altLang="en-US" smtClean="0"/>
+              <a:t>第五層</a:t>
+            </a:r>
+            <a:endParaRPr lang="zh-TW" altLang="en-US"/>
+          </a:p>
+        </p:txBody>
+      </p:sp>
+      <p:sp>
+        <p:nvSpPr>
+          <p:cNvPr id="4" name="日期版面配置區 3"/>
           <p:cNvSpPr>
             <a:spLocks noGrp="1"/>
           </p:cNvSpPr>
@@ -2723,7 +2699,8 @@
           <a:p>
             <a:fld id="{525EC543-F334-4384-8466-8E685538363C}" type="datetimeFigureOut">
               <a:rPr lang="en-US" smtClean="0"/>
-              <a:t>12/23/2018</a:t>
+              <a:pPr/>
+              <a:t>1/19/2019</a:t>
             </a:fld>
             <a:endParaRPr lang="en-US"/>
           </a:p>
@@ -2731,7 +2708,7 @@
       </p:sp>
       <p:sp>
         <p:nvSpPr>
-          <p:cNvPr id="5" name="Footer Placeholder 4"/>
+          <p:cNvPr id="5" name="頁尾版面配置區 4"/>
           <p:cNvSpPr>
             <a:spLocks noGrp="1"/>
           </p:cNvSpPr>
@@ -2768,7 +2745,7 @@
       </p:sp>
       <p:sp>
         <p:nvSpPr>
-          <p:cNvPr id="6" name="Slide Number Placeholder 5"/>
+          <p:cNvPr id="6" name="投影片編號版面配置區 5"/>
           <p:cNvSpPr>
             <a:spLocks noGrp="1"/>
           </p:cNvSpPr>
@@ -2801,6 +2778,7 @@
           <a:p>
             <a:fld id="{495D3D98-C7C0-49E3-BF7C-2CB5255D9DD7}" type="slidenum">
               <a:rPr lang="en-US" smtClean="0"/>
+              <a:pPr/>
               <a:t>‹#›</a:t>
             </a:fld>
             <a:endParaRPr lang="en-US"/>
@@ -2808,25 +2786,20 @@
         </p:txBody>
       </p:sp>
     </p:spTree>
-    <p:extLst>
-      <p:ext uri="{BB962C8B-B14F-4D97-AF65-F5344CB8AC3E}">
-        <p14:creationId xmlns:p14="http://schemas.microsoft.com/office/powerpoint/2010/main" val="136045659"/>
-      </p:ext>
-    </p:extLst>
   </p:cSld>
   <p:clrMap bg1="lt1" tx1="dk1" bg2="lt2" tx2="dk2" accent1="accent1" accent2="accent2" accent3="accent3" accent4="accent4" accent5="accent5" accent6="accent6" hlink="hlink" folHlink="folHlink"/>
   <p:sldLayoutIdLst>
-    <p:sldLayoutId id="2147483649" r:id="rId1"/>
-    <p:sldLayoutId id="2147483650" r:id="rId2"/>
-    <p:sldLayoutId id="2147483651" r:id="rId3"/>
-    <p:sldLayoutId id="2147483652" r:id="rId4"/>
-    <p:sldLayoutId id="2147483653" r:id="rId5"/>
-    <p:sldLayoutId id="2147483654" r:id="rId6"/>
-    <p:sldLayoutId id="2147483655" r:id="rId7"/>
-    <p:sldLayoutId id="2147483656" r:id="rId8"/>
-    <p:sldLayoutId id="2147483657" r:id="rId9"/>
-    <p:sldLayoutId id="2147483658" r:id="rId10"/>
-    <p:sldLayoutId id="2147483659" r:id="rId11"/>
+    <p:sldLayoutId id="2147483661" r:id="rId1"/>
+    <p:sldLayoutId id="2147483662" r:id="rId2"/>
+    <p:sldLayoutId id="2147483663" r:id="rId3"/>
+    <p:sldLayoutId id="2147483664" r:id="rId4"/>
+    <p:sldLayoutId id="2147483665" r:id="rId5"/>
+    <p:sldLayoutId id="2147483666" r:id="rId6"/>
+    <p:sldLayoutId id="2147483667" r:id="rId7"/>
+    <p:sldLayoutId id="2147483668" r:id="rId8"/>
+    <p:sldLayoutId id="2147483669" r:id="rId9"/>
+    <p:sldLayoutId id="2147483670" r:id="rId10"/>
+    <p:sldLayoutId id="2147483671" r:id="rId11"/>
   </p:sldLayoutIdLst>
   <p:txStyles>
     <p:titleStyle>
@@ -2984,7 +2957,7 @@
     </p:bodyStyle>
     <p:otherStyle>
       <a:defPPr>
-        <a:defRPr lang="en-US"/>
+        <a:defRPr lang="zh-TW"/>
       </a:defPPr>
       <a:lvl1pPr marL="0" algn="l" defTabSz="914400" rtl="0" eaLnBrk="1" latinLnBrk="0" hangingPunct="1">
         <a:defRPr sz="1800" kern="1200">
@@ -3115,12 +3088,18 @@
           <a:p>
             <a:r>
               <a:rPr lang="zh-CN" altLang="en-US" b="1" dirty="0">
+                <a:solidFill>
+                  <a:srgbClr val="000066"/>
+                </a:solidFill>
                 <a:latin typeface="Microsoft JhengHei" pitchFamily="34" charset="-120"/>
                 <a:ea typeface="Microsoft JhengHei" pitchFamily="34" charset="-120"/>
               </a:rPr>
               <a:t>一閃一閃亮晶晶</a:t>
             </a:r>
             <a:endParaRPr lang="en-US" b="1" dirty="0">
+              <a:solidFill>
+                <a:srgbClr val="000066"/>
+              </a:solidFill>
               <a:latin typeface="Microsoft JhengHei" pitchFamily="34" charset="-120"/>
               <a:ea typeface="Microsoft JhengHei" pitchFamily="34" charset="-120"/>
             </a:endParaRPr>
@@ -3149,12 +3128,18 @@
             </a:pPr>
             <a:r>
               <a:rPr lang="zh-TW" altLang="en-US" sz="5400" b="1" dirty="0" smtClean="0">
+                <a:solidFill>
+                  <a:srgbClr val="000066"/>
+                </a:solidFill>
                 <a:latin typeface="Microsoft JhengHei" pitchFamily="34" charset="-120"/>
                 <a:ea typeface="Microsoft JhengHei" pitchFamily="34" charset="-120"/>
               </a:rPr>
               <a:t>一閃一閃亮晶晶</a:t>
             </a:r>
             <a:endParaRPr lang="en-US" altLang="zh-TW" sz="5400" b="1" dirty="0" smtClean="0">
+              <a:solidFill>
+                <a:srgbClr val="000066"/>
+              </a:solidFill>
               <a:latin typeface="Microsoft JhengHei" pitchFamily="34" charset="-120"/>
               <a:ea typeface="Microsoft JhengHei" pitchFamily="34" charset="-120"/>
             </a:endParaRPr>
@@ -3165,12 +3150,18 @@
             </a:pPr>
             <a:r>
               <a:rPr lang="zh-TW" altLang="en-US" sz="5400" b="1" dirty="0" smtClean="0">
+                <a:solidFill>
+                  <a:srgbClr val="000066"/>
+                </a:solidFill>
                 <a:latin typeface="Microsoft JhengHei" pitchFamily="34" charset="-120"/>
                 <a:ea typeface="Microsoft JhengHei" pitchFamily="34" charset="-120"/>
               </a:rPr>
               <a:t>滿天都是小星星</a:t>
             </a:r>
             <a:endParaRPr lang="en-US" altLang="zh-TW" sz="5400" b="1" dirty="0" smtClean="0">
+              <a:solidFill>
+                <a:srgbClr val="000066"/>
+              </a:solidFill>
               <a:latin typeface="Microsoft JhengHei" pitchFamily="34" charset="-120"/>
               <a:ea typeface="Microsoft JhengHei" pitchFamily="34" charset="-120"/>
             </a:endParaRPr>
@@ -3181,6 +3172,9 @@
             </a:pPr>
             <a:r>
               <a:rPr lang="zh-TW" altLang="en-US" sz="5400" b="1" dirty="0" smtClean="0">
+                <a:solidFill>
+                  <a:srgbClr val="000066"/>
+                </a:solidFill>
                 <a:latin typeface="Microsoft JhengHei" pitchFamily="34" charset="-120"/>
                 <a:ea typeface="Microsoft JhengHei" pitchFamily="34" charset="-120"/>
               </a:rPr>
@@ -3192,6 +3186,9 @@
               <a:buNone/>
             </a:pPr>
             <a:endParaRPr lang="en-US" sz="5400" b="1" dirty="0">
+              <a:solidFill>
+                <a:srgbClr val="000066"/>
+              </a:solidFill>
               <a:latin typeface="Microsoft JhengHei" pitchFamily="34" charset="-120"/>
               <a:ea typeface="Microsoft JhengHei" pitchFamily="34" charset="-120"/>
             </a:endParaRPr>
@@ -3201,7 +3198,7 @@
     </p:spTree>
     <p:extLst>
       <p:ext uri="{BB962C8B-B14F-4D97-AF65-F5344CB8AC3E}">
-        <p14:creationId xmlns:p14="http://schemas.microsoft.com/office/powerpoint/2010/main" val="3674483046"/>
+        <p14:creationId xmlns:p14="http://schemas.microsoft.com/office/powerpoint/2010/main" xmlns="" val="3674483046"/>
       </p:ext>
     </p:extLst>
   </p:cSld>
@@ -3245,12 +3242,18 @@
           <a:p>
             <a:r>
               <a:rPr lang="zh-CN" altLang="en-US" b="1" dirty="0">
+                <a:solidFill>
+                  <a:srgbClr val="000066"/>
+                </a:solidFill>
                 <a:latin typeface="Microsoft JhengHei" pitchFamily="34" charset="-120"/>
                 <a:ea typeface="Microsoft JhengHei" pitchFamily="34" charset="-120"/>
               </a:rPr>
               <a:t>一閃一閃亮晶晶</a:t>
             </a:r>
             <a:endParaRPr lang="en-US" b="1" dirty="0">
+              <a:solidFill>
+                <a:srgbClr val="000066"/>
+              </a:solidFill>
               <a:latin typeface="Microsoft JhengHei" pitchFamily="34" charset="-120"/>
               <a:ea typeface="Microsoft JhengHei" pitchFamily="34" charset="-120"/>
             </a:endParaRPr>
@@ -3279,12 +3282,18 @@
             </a:pPr>
             <a:r>
               <a:rPr lang="zh-TW" altLang="en-US" sz="5400" b="1" dirty="0" smtClean="0">
+                <a:solidFill>
+                  <a:srgbClr val="000066"/>
+                </a:solidFill>
                 <a:latin typeface="Microsoft JhengHei" pitchFamily="34" charset="-120"/>
                 <a:ea typeface="Microsoft JhengHei" pitchFamily="34" charset="-120"/>
               </a:rPr>
               <a:t>好像許多小眼睛</a:t>
             </a:r>
             <a:endParaRPr lang="en-US" altLang="zh-TW" sz="5400" b="1" dirty="0" smtClean="0">
+              <a:solidFill>
+                <a:srgbClr val="000066"/>
+              </a:solidFill>
               <a:latin typeface="Microsoft JhengHei" pitchFamily="34" charset="-120"/>
               <a:ea typeface="Microsoft JhengHei" pitchFamily="34" charset="-120"/>
             </a:endParaRPr>
@@ -3295,12 +3304,18 @@
             </a:pPr>
             <a:r>
               <a:rPr lang="zh-TW" altLang="en-US" sz="5400" b="1" dirty="0" smtClean="0">
+                <a:solidFill>
+                  <a:srgbClr val="000066"/>
+                </a:solidFill>
                 <a:latin typeface="Microsoft JhengHei" pitchFamily="34" charset="-120"/>
                 <a:ea typeface="Microsoft JhengHei" pitchFamily="34" charset="-120"/>
               </a:rPr>
               <a:t>一閃一閃亮晶晶</a:t>
             </a:r>
             <a:endParaRPr lang="en-US" altLang="zh-TW" sz="5400" b="1" dirty="0" smtClean="0">
+              <a:solidFill>
+                <a:srgbClr val="000066"/>
+              </a:solidFill>
               <a:latin typeface="Microsoft JhengHei" pitchFamily="34" charset="-120"/>
               <a:ea typeface="Microsoft JhengHei" pitchFamily="34" charset="-120"/>
             </a:endParaRPr>
@@ -3311,6 +3326,9 @@
             </a:pPr>
             <a:r>
               <a:rPr lang="zh-TW" altLang="en-US" sz="5400" b="1" dirty="0" smtClean="0">
+                <a:solidFill>
+                  <a:srgbClr val="000066"/>
+                </a:solidFill>
                 <a:latin typeface="Microsoft JhengHei" pitchFamily="34" charset="-120"/>
                 <a:ea typeface="Microsoft JhengHei" pitchFamily="34" charset="-120"/>
               </a:rPr>
@@ -3318,12 +3336,18 @@
             </a:r>
             <a:r>
               <a:rPr lang="zh-CN" altLang="en-US" sz="5400" b="1" dirty="0">
+                <a:solidFill>
+                  <a:srgbClr val="000066"/>
+                </a:solidFill>
                 <a:latin typeface="Microsoft JhengHei" pitchFamily="34" charset="-120"/>
                 <a:ea typeface="Microsoft JhengHei" pitchFamily="34" charset="-120"/>
               </a:rPr>
               <a:t>祢</a:t>
             </a:r>
             <a:endParaRPr lang="zh-TW" altLang="en-US" sz="5400" b="1" dirty="0" smtClean="0">
+              <a:solidFill>
+                <a:srgbClr val="000066"/>
+              </a:solidFill>
               <a:latin typeface="Microsoft JhengHei" pitchFamily="34" charset="-120"/>
               <a:ea typeface="Microsoft JhengHei" pitchFamily="34" charset="-120"/>
             </a:endParaRPr>
@@ -3333,6 +3357,9 @@
               <a:buNone/>
             </a:pPr>
             <a:endParaRPr lang="en-US" sz="5400" b="1" dirty="0">
+              <a:solidFill>
+                <a:srgbClr val="000066"/>
+              </a:solidFill>
               <a:latin typeface="Microsoft JhengHei" pitchFamily="34" charset="-120"/>
               <a:ea typeface="Microsoft JhengHei" pitchFamily="34" charset="-120"/>
             </a:endParaRPr>
@@ -3342,7 +3369,7 @@
     </p:spTree>
     <p:extLst>
       <p:ext uri="{BB962C8B-B14F-4D97-AF65-F5344CB8AC3E}">
-        <p14:creationId xmlns:p14="http://schemas.microsoft.com/office/powerpoint/2010/main" val="1128117015"/>
+        <p14:creationId xmlns:p14="http://schemas.microsoft.com/office/powerpoint/2010/main" xmlns="" val="1128117015"/>
       </p:ext>
     </p:extLst>
   </p:cSld>
@@ -3386,12 +3413,18 @@
           <a:p>
             <a:r>
               <a:rPr lang="zh-CN" altLang="en-US" b="1" dirty="0">
+                <a:solidFill>
+                  <a:srgbClr val="000066"/>
+                </a:solidFill>
                 <a:latin typeface="Microsoft JhengHei" pitchFamily="34" charset="-120"/>
                 <a:ea typeface="Microsoft JhengHei" pitchFamily="34" charset="-120"/>
               </a:rPr>
               <a:t>一閃一閃亮晶晶</a:t>
             </a:r>
             <a:endParaRPr lang="en-US" b="1" dirty="0">
+              <a:solidFill>
+                <a:srgbClr val="000066"/>
+              </a:solidFill>
               <a:latin typeface="Microsoft JhengHei" pitchFamily="34" charset="-120"/>
               <a:ea typeface="Microsoft JhengHei" pitchFamily="34" charset="-120"/>
             </a:endParaRPr>
@@ -3420,6 +3453,9 @@
             </a:pPr>
             <a:r>
               <a:rPr lang="zh-TW" altLang="en-US" sz="5400" b="1" dirty="0">
+                <a:solidFill>
+                  <a:srgbClr val="000066"/>
+                </a:solidFill>
                 <a:latin typeface="Microsoft JhengHei" pitchFamily="34" charset="-120"/>
                 <a:ea typeface="Microsoft JhengHei" pitchFamily="34" charset="-120"/>
               </a:rPr>
@@ -3432,6 +3468,9 @@
             </a:pPr>
             <a:r>
               <a:rPr lang="zh-TW" altLang="en-US" sz="5400" b="1" dirty="0">
+                <a:solidFill>
+                  <a:srgbClr val="000066"/>
+                </a:solidFill>
                 <a:latin typeface="Microsoft JhengHei" pitchFamily="34" charset="-120"/>
                 <a:ea typeface="Microsoft JhengHei" pitchFamily="34" charset="-120"/>
               </a:rPr>
@@ -3444,6 +3483,9 @@
             </a:pPr>
             <a:r>
               <a:rPr lang="zh-TW" altLang="en-US" sz="5400" b="1" dirty="0">
+                <a:solidFill>
+                  <a:srgbClr val="000066"/>
+                </a:solidFill>
                 <a:latin typeface="Microsoft JhengHei" pitchFamily="34" charset="-120"/>
                 <a:ea typeface="Microsoft JhengHei" pitchFamily="34" charset="-120"/>
               </a:rPr>
@@ -3456,6 +3498,9 @@
             </a:pPr>
             <a:r>
               <a:rPr lang="zh-TW" altLang="en-US" sz="5400" b="1" dirty="0">
+                <a:solidFill>
+                  <a:srgbClr val="000066"/>
+                </a:solidFill>
                 <a:latin typeface="Microsoft JhengHei" pitchFamily="34" charset="-120"/>
                 <a:ea typeface="Microsoft JhengHei" pitchFamily="34" charset="-120"/>
               </a:rPr>
@@ -3463,12 +3508,18 @@
             </a:r>
             <a:r>
               <a:rPr lang="zh-CN" altLang="en-US" sz="5400" b="1" dirty="0">
+                <a:solidFill>
+                  <a:srgbClr val="000066"/>
+                </a:solidFill>
                 <a:latin typeface="Microsoft JhengHei" pitchFamily="34" charset="-120"/>
                 <a:ea typeface="Microsoft JhengHei" pitchFamily="34" charset="-120"/>
               </a:rPr>
               <a:t>祢</a:t>
             </a:r>
             <a:endParaRPr lang="en-US" sz="5400" b="1" dirty="0">
+              <a:solidFill>
+                <a:srgbClr val="000066"/>
+              </a:solidFill>
               <a:latin typeface="Microsoft JhengHei" pitchFamily="34" charset="-120"/>
               <a:ea typeface="Microsoft JhengHei" pitchFamily="34" charset="-120"/>
             </a:endParaRPr>
@@ -3478,7 +3529,7 @@
     </p:spTree>
     <p:extLst>
       <p:ext uri="{BB962C8B-B14F-4D97-AF65-F5344CB8AC3E}">
-        <p14:creationId xmlns:p14="http://schemas.microsoft.com/office/powerpoint/2010/main" val="1499265849"/>
+        <p14:creationId xmlns:p14="http://schemas.microsoft.com/office/powerpoint/2010/main" xmlns="" val="1499265849"/>
       </p:ext>
     </p:extLst>
   </p:cSld>
@@ -3522,12 +3573,18 @@
           <a:p>
             <a:r>
               <a:rPr lang="zh-CN" altLang="en-US" b="1" dirty="0">
+                <a:solidFill>
+                  <a:srgbClr val="000066"/>
+                </a:solidFill>
                 <a:latin typeface="Microsoft JhengHei" pitchFamily="34" charset="-120"/>
                 <a:ea typeface="Microsoft JhengHei" pitchFamily="34" charset="-120"/>
               </a:rPr>
               <a:t>一閃一閃亮晶晶</a:t>
             </a:r>
             <a:endParaRPr lang="en-US" b="1" dirty="0">
+              <a:solidFill>
+                <a:srgbClr val="000066"/>
+              </a:solidFill>
               <a:latin typeface="Microsoft JhengHei" pitchFamily="34" charset="-120"/>
               <a:ea typeface="Microsoft JhengHei" pitchFamily="34" charset="-120"/>
             </a:endParaRPr>
@@ -3556,12 +3613,18 @@
             </a:pPr>
             <a:r>
               <a:rPr lang="zh-CN" altLang="en-US" sz="5400" b="1" dirty="0">
+                <a:solidFill>
+                  <a:srgbClr val="000066"/>
+                </a:solidFill>
                 <a:latin typeface="Microsoft JhengHei" pitchFamily="34" charset="-120"/>
                 <a:ea typeface="Microsoft JhengHei" pitchFamily="34" charset="-120"/>
               </a:rPr>
               <a:t>讚美祢 讚美祢</a:t>
             </a:r>
             <a:endParaRPr lang="en-US" sz="5400" b="1" dirty="0">
+              <a:solidFill>
+                <a:srgbClr val="000066"/>
+              </a:solidFill>
               <a:latin typeface="Microsoft JhengHei" pitchFamily="34" charset="-120"/>
               <a:ea typeface="Microsoft JhengHei" pitchFamily="34" charset="-120"/>
             </a:endParaRPr>
@@ -3572,12 +3635,18 @@
             </a:pPr>
             <a:r>
               <a:rPr lang="zh-CN" altLang="en-US" sz="5400" b="1" dirty="0">
+                <a:solidFill>
+                  <a:srgbClr val="000066"/>
+                </a:solidFill>
                 <a:latin typeface="Microsoft JhengHei" pitchFamily="34" charset="-120"/>
                 <a:ea typeface="Microsoft JhengHei" pitchFamily="34" charset="-120"/>
               </a:rPr>
               <a:t>我的一生都要讚美祢</a:t>
             </a:r>
             <a:endParaRPr lang="en-US" sz="5400" b="1" dirty="0">
+              <a:solidFill>
+                <a:srgbClr val="000066"/>
+              </a:solidFill>
               <a:latin typeface="Microsoft JhengHei" pitchFamily="34" charset="-120"/>
               <a:ea typeface="Microsoft JhengHei" pitchFamily="34" charset="-120"/>
             </a:endParaRPr>
@@ -3588,12 +3657,18 @@
             </a:pPr>
             <a:r>
               <a:rPr lang="zh-CN" altLang="en-US" sz="5400" b="1" dirty="0">
+                <a:solidFill>
+                  <a:srgbClr val="000066"/>
+                </a:solidFill>
                 <a:latin typeface="Microsoft JhengHei" pitchFamily="34" charset="-120"/>
                 <a:ea typeface="Microsoft JhengHei" pitchFamily="34" charset="-120"/>
               </a:rPr>
               <a:t>哈利路亞 哈利路亞</a:t>
             </a:r>
             <a:endParaRPr lang="en-US" sz="5400" b="1" dirty="0">
+              <a:solidFill>
+                <a:srgbClr val="000066"/>
+              </a:solidFill>
               <a:latin typeface="Microsoft JhengHei" pitchFamily="34" charset="-120"/>
               <a:ea typeface="Microsoft JhengHei" pitchFamily="34" charset="-120"/>
             </a:endParaRPr>
@@ -3604,12 +3679,18 @@
             </a:pPr>
             <a:r>
               <a:rPr lang="zh-CN" altLang="en-US" sz="5400" b="1" dirty="0">
+                <a:solidFill>
+                  <a:srgbClr val="000066"/>
+                </a:solidFill>
                 <a:latin typeface="Microsoft JhengHei" pitchFamily="34" charset="-120"/>
                 <a:ea typeface="Microsoft JhengHei" pitchFamily="34" charset="-120"/>
               </a:rPr>
               <a:t>我與萬物齊聲讚美祢</a:t>
             </a:r>
             <a:endParaRPr lang="en-US" sz="5400" b="1" dirty="0">
+              <a:solidFill>
+                <a:srgbClr val="000066"/>
+              </a:solidFill>
               <a:latin typeface="Microsoft JhengHei" pitchFamily="34" charset="-120"/>
               <a:ea typeface="Microsoft JhengHei" pitchFamily="34" charset="-120"/>
             </a:endParaRPr>
@@ -3619,7 +3700,7 @@
     </p:spTree>
     <p:extLst>
       <p:ext uri="{BB962C8B-B14F-4D97-AF65-F5344CB8AC3E}">
-        <p14:creationId xmlns:p14="http://schemas.microsoft.com/office/powerpoint/2010/main" val="789913292"/>
+        <p14:creationId xmlns:p14="http://schemas.microsoft.com/office/powerpoint/2010/main" xmlns="" val="789913292"/>
       </p:ext>
     </p:extLst>
   </p:cSld>
@@ -3630,7 +3711,7 @@
 </file>
 
 <file path=ppt/theme/theme1.xml><?xml version="1.0" encoding="utf-8"?>
-<a:theme xmlns:a="http://schemas.openxmlformats.org/drawingml/2006/main" name="Office Theme">
+<a:theme xmlns:a="http://schemas.openxmlformats.org/drawingml/2006/main" name="佈景主題1">
   <a:themeElements>
     <a:clrScheme name="Office">
       <a:dk1>
@@ -3704,7 +3785,6 @@
         <a:font script="Mong" typeface="Mongolian Baiti"/>
         <a:font script="Viet" typeface="Times New Roman"/>
         <a:font script="Uigh" typeface="Microsoft Uighur"/>
-        <a:font script="Geor" typeface="Sylfaen"/>
       </a:majorFont>
       <a:minorFont>
         <a:latin typeface="Calibri"/>
@@ -3739,7 +3819,6 @@
         <a:font script="Mong" typeface="Mongolian Baiti"/>
         <a:font script="Viet" typeface="Arial"/>
         <a:font script="Uigh" typeface="Microsoft Uighur"/>
-        <a:font script="Geor" typeface="Sylfaen"/>
       </a:minorFont>
     </a:fontScheme>
     <a:fmtScheme name="Office">
